--- a/Presentación.pptx
+++ b/Presentación.pptx
@@ -6,10 +6,11 @@
   </p:sldMasterIdLst>
   <p:sldIdLst>
     <p:sldId id="256" r:id="rId2"/>
-    <p:sldId id="257" r:id="rId3"/>
-    <p:sldId id="258" r:id="rId4"/>
-    <p:sldId id="259" r:id="rId5"/>
-    <p:sldId id="261" r:id="rId6"/>
+    <p:sldId id="262" r:id="rId3"/>
+    <p:sldId id="257" r:id="rId4"/>
+    <p:sldId id="258" r:id="rId5"/>
+    <p:sldId id="259" r:id="rId6"/>
+    <p:sldId id="261" r:id="rId7"/>
   </p:sldIdLst>
   <p:sldSz cx="12192000" cy="6858000"/>
   <p:notesSz cx="6858000" cy="9144000"/>
@@ -3443,15 +3444,11 @@
           <a:p>
             <a:r>
               <a:rPr lang="es-CL" dirty="0" smtClean="0"/>
-              <a:t>Modelo de determinación de </a:t>
-            </a:r>
-            <a:r>
-              <a:rPr lang="es-CL" sz="6600" b="1" dirty="0"/>
-              <a:t>S</a:t>
-            </a:r>
-            <a:r>
-              <a:rPr lang="es-CL" sz="6600" b="1" dirty="0" smtClean="0"/>
-              <a:t>core de Riesgo</a:t>
+              <a:t>Modelo de </a:t>
+            </a:r>
+            <a:r>
+              <a:rPr lang="es-CL" dirty="0" smtClean="0"/>
+              <a:t>estimación del precio base de los seguros.</a:t>
             </a:r>
             <a:endParaRPr lang="en-US" sz="6600" b="1" dirty="0"/>
           </a:p>
@@ -3511,7 +3508,475 @@
           <a:p>
             <a:r>
               <a:rPr lang="es-CL" dirty="0" smtClean="0"/>
-              <a:t>Primera aproximación</a:t>
+              <a:t>Precio base.</a:t>
+            </a:r>
+            <a:endParaRPr lang="en-US" dirty="0"/>
+          </a:p>
+        </p:txBody>
+      </p:sp>
+      <mc:AlternateContent xmlns:mc="http://schemas.openxmlformats.org/markup-compatibility/2006">
+        <mc:Choice xmlns:a14="http://schemas.microsoft.com/office/drawing/2010/main" Requires="a14">
+          <p:sp>
+            <p:nvSpPr>
+              <p:cNvPr id="4" name="Rectángulo redondeado 3"/>
+              <p:cNvSpPr/>
+              <p:nvPr/>
+            </p:nvSpPr>
+            <p:spPr>
+              <a:xfrm>
+                <a:off x="4483100" y="1590040"/>
+                <a:ext cx="6459220" cy="1193800"/>
+              </a:xfrm>
+              <a:prstGeom prst="roundRect">
+                <a:avLst/>
+              </a:prstGeom>
+            </p:spPr>
+            <p:style>
+              <a:lnRef idx="2">
+                <a:schemeClr val="accent1"/>
+              </a:lnRef>
+              <a:fillRef idx="1">
+                <a:schemeClr val="lt1"/>
+              </a:fillRef>
+              <a:effectRef idx="0">
+                <a:schemeClr val="accent1"/>
+              </a:effectRef>
+              <a:fontRef idx="minor">
+                <a:schemeClr val="dk1"/>
+              </a:fontRef>
+            </p:style>
+            <p:txBody>
+              <a:bodyPr rtlCol="0" anchor="ctr"/>
+              <a:lstStyle/>
+              <a:p>
+                <a:pPr algn="ctr"/>
+                <a14:m>
+                  <m:oMathPara xmlns:m="http://schemas.openxmlformats.org/officeDocument/2006/math">
+                    <m:oMathParaPr>
+                      <m:jc m:val="centerGroup"/>
+                    </m:oMathParaPr>
+                    <m:oMath xmlns:m="http://schemas.openxmlformats.org/officeDocument/2006/math">
+                      <m:r>
+                        <a:rPr lang="es-CL" sz="3200" b="0" i="1" smtClean="0"/>
+                        <m:t>𝑃𝑟𝑒𝑐𝑖𝑜</m:t>
+                      </m:r>
+                      <m:r>
+                        <a:rPr lang="es-CL" sz="3200" b="0" i="1" smtClean="0"/>
+                        <m:t> </m:t>
+                      </m:r>
+                      <m:r>
+                        <a:rPr lang="es-CL" sz="3200" b="0" i="1" smtClean="0"/>
+                        <m:t>𝐵𝑎𝑠𝑒</m:t>
+                      </m:r>
+                      <m:r>
+                        <a:rPr lang="es-CL" sz="3200" b="0" i="1" smtClean="0"/>
+                        <m:t>=3 ∗</m:t>
+                      </m:r>
+                      <m:d>
+                        <m:dPr>
+                          <m:ctrlPr>
+                            <a:rPr lang="es-CL" sz="3200" b="0" i="1" smtClean="0"/>
+                          </m:ctrlPr>
+                        </m:dPr>
+                        <m:e>
+                          <m:r>
+                            <a:rPr lang="es-CL" sz="3200" b="0" i="1" smtClean="0"/>
+                            <m:t>1.03+</m:t>
+                          </m:r>
+                          <m:r>
+                            <a:rPr lang="es-CL" sz="3200" b="0" i="1" smtClean="0"/>
+                            <m:t>𝑝</m:t>
+                          </m:r>
+                        </m:e>
+                      </m:d>
+                      <m:r>
+                        <a:rPr lang="es-CL" sz="3200" b="0" i="1" smtClean="0"/>
+                        <m:t>  </m:t>
+                      </m:r>
+                      <m:r>
+                        <a:rPr lang="es-CL" sz="3200" b="0" i="1" smtClean="0"/>
+                        <m:t>𝑈𝐹</m:t>
+                      </m:r>
+                    </m:oMath>
+                  </m:oMathPara>
+                </a14:m>
+                <a:endParaRPr lang="en-US" sz="2400" dirty="0"/>
+              </a:p>
+            </p:txBody>
+          </p:sp>
+        </mc:Choice>
+        <mc:Fallback>
+          <p:sp>
+            <p:nvSpPr>
+              <p:cNvPr id="4" name="Rectángulo redondeado 3"/>
+              <p:cNvSpPr>
+                <a:spLocks noRot="1" noChangeAspect="1" noMove="1" noResize="1" noEditPoints="1" noAdjustHandles="1" noChangeArrowheads="1" noChangeShapeType="1" noTextEdit="1"/>
+              </p:cNvSpPr>
+              <p:nvPr/>
+            </p:nvSpPr>
+            <p:spPr>
+              <a:xfrm>
+                <a:off x="4483100" y="1590040"/>
+                <a:ext cx="6459220" cy="1193800"/>
+              </a:xfrm>
+              <a:prstGeom prst="roundRect">
+                <a:avLst/>
+              </a:prstGeom>
+              <a:blipFill>
+                <a:blip r:embed="rId2"/>
+                <a:stretch>
+                  <a:fillRect/>
+                </a:stretch>
+              </a:blipFill>
+            </p:spPr>
+            <p:txBody>
+              <a:bodyPr/>
+              <a:lstStyle/>
+              <a:p>
+                <a:r>
+                  <a:rPr lang="en-US">
+                    <a:noFill/>
+                  </a:rPr>
+                  <a:t> </a:t>
+                </a:r>
+              </a:p>
+            </p:txBody>
+          </p:sp>
+        </mc:Fallback>
+      </mc:AlternateContent>
+      <mc:AlternateContent xmlns:mc="http://schemas.openxmlformats.org/markup-compatibility/2006">
+        <mc:Choice xmlns:a14="http://schemas.microsoft.com/office/drawing/2010/main" Requires="a14">
+          <p:sp>
+            <p:nvSpPr>
+              <p:cNvPr id="5" name="Rectángulo redondeado 4"/>
+              <p:cNvSpPr/>
+              <p:nvPr/>
+            </p:nvSpPr>
+            <p:spPr>
+              <a:xfrm>
+                <a:off x="4483100" y="3982720"/>
+                <a:ext cx="6459220" cy="1193800"/>
+              </a:xfrm>
+              <a:prstGeom prst="roundRect">
+                <a:avLst/>
+              </a:prstGeom>
+            </p:spPr>
+            <p:style>
+              <a:lnRef idx="2">
+                <a:schemeClr val="accent1"/>
+              </a:lnRef>
+              <a:fillRef idx="1">
+                <a:schemeClr val="lt1"/>
+              </a:fillRef>
+              <a:effectRef idx="0">
+                <a:schemeClr val="accent1"/>
+              </a:effectRef>
+              <a:fontRef idx="minor">
+                <a:schemeClr val="dk1"/>
+              </a:fontRef>
+            </p:style>
+            <p:txBody>
+              <a:bodyPr rtlCol="0" anchor="ctr"/>
+              <a:lstStyle/>
+              <a:p>
+                <a:pPr algn="ctr"/>
+                <a14:m>
+                  <m:oMathPara xmlns:m="http://schemas.openxmlformats.org/officeDocument/2006/math">
+                    <m:oMathParaPr>
+                      <m:jc m:val="centerGroup"/>
+                    </m:oMathParaPr>
+                    <m:oMath xmlns:m="http://schemas.openxmlformats.org/officeDocument/2006/math">
+                      <m:r>
+                        <a:rPr lang="es-CL" sz="3200" b="0" i="1" smtClean="0"/>
+                        <m:t>𝑝</m:t>
+                      </m:r>
+                      <m:r>
+                        <a:rPr lang="es-CL" sz="3200" b="0" i="1" smtClean="0"/>
+                        <m:t>=(0.1 ∗</m:t>
+                      </m:r>
+                      <m:r>
+                        <a:rPr lang="es-CL" sz="3200" b="0" i="1" smtClean="0"/>
+                        <m:t>𝑠𝑐𝑜𝑟𝑒</m:t>
+                      </m:r>
+                      <m:r>
+                        <a:rPr lang="es-CL" sz="3200" b="0" i="1" smtClean="0"/>
+                        <m:t> </m:t>
+                      </m:r>
+                      <m:r>
+                        <a:rPr lang="es-CL" sz="3200" b="0" i="1" smtClean="0"/>
+                        <m:t>𝑑𝑒</m:t>
+                      </m:r>
+                      <m:r>
+                        <a:rPr lang="es-CL" sz="3200" b="0" i="1" smtClean="0"/>
+                        <m:t> </m:t>
+                      </m:r>
+                      <m:r>
+                        <a:rPr lang="es-CL" sz="3200" b="0" i="1" smtClean="0"/>
+                        <m:t>𝑟𝑖𝑒𝑠𝑔𝑜</m:t>
+                      </m:r>
+                      <m:r>
+                        <a:rPr lang="es-CL" sz="3200" b="0" i="1" smtClean="0"/>
+                        <m:t>)</m:t>
+                      </m:r>
+                    </m:oMath>
+                  </m:oMathPara>
+                </a14:m>
+                <a:endParaRPr lang="en-US" sz="2400" dirty="0"/>
+              </a:p>
+            </p:txBody>
+          </p:sp>
+        </mc:Choice>
+        <mc:Fallback>
+          <p:sp>
+            <p:nvSpPr>
+              <p:cNvPr id="5" name="Rectángulo redondeado 4"/>
+              <p:cNvSpPr>
+                <a:spLocks noRot="1" noChangeAspect="1" noMove="1" noResize="1" noEditPoints="1" noAdjustHandles="1" noChangeArrowheads="1" noChangeShapeType="1" noTextEdit="1"/>
+              </p:cNvSpPr>
+              <p:nvPr/>
+            </p:nvSpPr>
+            <p:spPr>
+              <a:xfrm>
+                <a:off x="4483100" y="3982720"/>
+                <a:ext cx="6459220" cy="1193800"/>
+              </a:xfrm>
+              <a:prstGeom prst="roundRect">
+                <a:avLst/>
+              </a:prstGeom>
+              <a:blipFill>
+                <a:blip r:embed="rId3"/>
+                <a:stretch>
+                  <a:fillRect/>
+                </a:stretch>
+              </a:blipFill>
+            </p:spPr>
+            <p:txBody>
+              <a:bodyPr/>
+              <a:lstStyle/>
+              <a:p>
+                <a:r>
+                  <a:rPr lang="en-US">
+                    <a:noFill/>
+                  </a:rPr>
+                  <a:t> </a:t>
+                </a:r>
+              </a:p>
+            </p:txBody>
+          </p:sp>
+        </mc:Fallback>
+      </mc:AlternateContent>
+      <p:sp>
+        <p:nvSpPr>
+          <p:cNvPr id="6" name="Flecha abajo 5"/>
+          <p:cNvSpPr/>
+          <p:nvPr/>
+        </p:nvSpPr>
+        <p:spPr>
+          <a:xfrm>
+            <a:off x="7337425" y="2902966"/>
+            <a:ext cx="750570" cy="960628"/>
+          </a:xfrm>
+          <a:prstGeom prst="downArrow">
+            <a:avLst/>
+          </a:prstGeom>
+        </p:spPr>
+        <p:style>
+          <a:lnRef idx="3">
+            <a:schemeClr val="lt1"/>
+          </a:lnRef>
+          <a:fillRef idx="1">
+            <a:schemeClr val="accent2"/>
+          </a:fillRef>
+          <a:effectRef idx="1">
+            <a:schemeClr val="accent2"/>
+          </a:effectRef>
+          <a:fontRef idx="minor">
+            <a:schemeClr val="lt1"/>
+          </a:fontRef>
+        </p:style>
+        <p:txBody>
+          <a:bodyPr rtlCol="0" anchor="ctr"/>
+          <a:lstStyle/>
+          <a:p>
+            <a:pPr algn="ctr"/>
+            <a:endParaRPr lang="en-US"/>
+          </a:p>
+        </p:txBody>
+      </p:sp>
+    </p:spTree>
+    <p:extLst>
+      <p:ext uri="{BB962C8B-B14F-4D97-AF65-F5344CB8AC3E}">
+        <p14:creationId xmlns:p14="http://schemas.microsoft.com/office/powerpoint/2010/main" val="608045551"/>
+      </p:ext>
+    </p:extLst>
+  </p:cSld>
+  <p:clrMapOvr>
+    <a:masterClrMapping/>
+  </p:clrMapOvr>
+  <p:timing>
+    <p:tnLst>
+      <p:par>
+        <p:cTn id="1" dur="indefinite" restart="never" nodeType="tmRoot">
+          <p:childTnLst>
+            <p:seq concurrent="1" nextAc="seek">
+              <p:cTn id="2" dur="indefinite" nodeType="mainSeq">
+                <p:childTnLst>
+                  <p:par>
+                    <p:cTn id="3" fill="hold">
+                      <p:stCondLst>
+                        <p:cond delay="indefinite"/>
+                      </p:stCondLst>
+                      <p:childTnLst>
+                        <p:par>
+                          <p:cTn id="4" fill="hold">
+                            <p:stCondLst>
+                              <p:cond delay="0"/>
+                            </p:stCondLst>
+                            <p:childTnLst>
+                              <p:par>
+                                <p:cTn id="5" presetID="22" presetClass="entr" presetSubtype="1" fill="hold" grpId="0" nodeType="clickEffect">
+                                  <p:stCondLst>
+                                    <p:cond delay="0"/>
+                                  </p:stCondLst>
+                                  <p:childTnLst>
+                                    <p:set>
+                                      <p:cBhvr>
+                                        <p:cTn id="6" dur="1" fill="hold">
+                                          <p:stCondLst>
+                                            <p:cond delay="0"/>
+                                          </p:stCondLst>
+                                        </p:cTn>
+                                        <p:tgtEl>
+                                          <p:spTgt spid="6"/>
+                                        </p:tgtEl>
+                                        <p:attrNameLst>
+                                          <p:attrName>style.visibility</p:attrName>
+                                        </p:attrNameLst>
+                                      </p:cBhvr>
+                                      <p:to>
+                                        <p:strVal val="visible"/>
+                                      </p:to>
+                                    </p:set>
+                                    <p:animEffect transition="in" filter="wipe(up)">
+                                      <p:cBhvr>
+                                        <p:cTn id="7" dur="500"/>
+                                        <p:tgtEl>
+                                          <p:spTgt spid="6"/>
+                                        </p:tgtEl>
+                                      </p:cBhvr>
+                                    </p:animEffect>
+                                  </p:childTnLst>
+                                </p:cTn>
+                              </p:par>
+                              <p:par>
+                                <p:cTn id="8" presetID="22" presetClass="entr" presetSubtype="1" fill="hold" grpId="0" nodeType="withEffect">
+                                  <p:stCondLst>
+                                    <p:cond delay="500"/>
+                                  </p:stCondLst>
+                                  <p:childTnLst>
+                                    <p:set>
+                                      <p:cBhvr>
+                                        <p:cTn id="9" dur="1" fill="hold">
+                                          <p:stCondLst>
+                                            <p:cond delay="0"/>
+                                          </p:stCondLst>
+                                        </p:cTn>
+                                        <p:tgtEl>
+                                          <p:spTgt spid="5"/>
+                                        </p:tgtEl>
+                                        <p:attrNameLst>
+                                          <p:attrName>style.visibility</p:attrName>
+                                        </p:attrNameLst>
+                                      </p:cBhvr>
+                                      <p:to>
+                                        <p:strVal val="visible"/>
+                                      </p:to>
+                                    </p:set>
+                                    <p:animEffect transition="in" filter="wipe(up)">
+                                      <p:cBhvr>
+                                        <p:cTn id="10" dur="500"/>
+                                        <p:tgtEl>
+                                          <p:spTgt spid="5"/>
+                                        </p:tgtEl>
+                                      </p:cBhvr>
+                                    </p:animEffect>
+                                  </p:childTnLst>
+                                </p:cTn>
+                              </p:par>
+                            </p:childTnLst>
+                          </p:cTn>
+                        </p:par>
+                      </p:childTnLst>
+                    </p:cTn>
+                  </p:par>
+                </p:childTnLst>
+              </p:cTn>
+              <p:prevCondLst>
+                <p:cond evt="onPrev" delay="0">
+                  <p:tgtEl>
+                    <p:sldTgt/>
+                  </p:tgtEl>
+                </p:cond>
+              </p:prevCondLst>
+              <p:nextCondLst>
+                <p:cond evt="onNext" delay="0">
+                  <p:tgtEl>
+                    <p:sldTgt/>
+                  </p:tgtEl>
+                </p:cond>
+              </p:nextCondLst>
+            </p:seq>
+          </p:childTnLst>
+        </p:cTn>
+      </p:par>
+    </p:tnLst>
+    <p:bldLst>
+      <p:bldP spid="5" grpId="0" animBg="1"/>
+      <p:bldP spid="6" grpId="0" animBg="1"/>
+    </p:bldLst>
+  </p:timing>
+</p:sld>
+</file>
+
+<file path=ppt/slides/slide3.xml><?xml version="1.0" encoding="utf-8"?>
+<p:sld xmlns:a="http://schemas.openxmlformats.org/drawingml/2006/main" xmlns:r="http://schemas.openxmlformats.org/officeDocument/2006/relationships" xmlns:p="http://schemas.openxmlformats.org/presentationml/2006/main">
+  <p:cSld>
+    <p:spTree>
+      <p:nvGrpSpPr>
+        <p:cNvPr id="1" name=""/>
+        <p:cNvGrpSpPr/>
+        <p:nvPr/>
+      </p:nvGrpSpPr>
+      <p:grpSpPr>
+        <a:xfrm>
+          <a:off x="0" y="0"/>
+          <a:ext cx="0" cy="0"/>
+          <a:chOff x="0" y="0"/>
+          <a:chExt cx="0" cy="0"/>
+        </a:xfrm>
+      </p:grpSpPr>
+      <p:sp>
+        <p:nvSpPr>
+          <p:cNvPr id="2" name="Título 1"/>
+          <p:cNvSpPr>
+            <a:spLocks noGrp="1"/>
+          </p:cNvSpPr>
+          <p:nvPr>
+            <p:ph type="title"/>
+          </p:nvPr>
+        </p:nvSpPr>
+        <p:spPr/>
+        <p:txBody>
+          <a:bodyPr/>
+          <a:lstStyle/>
+          <a:p>
+            <a:r>
+              <a:rPr lang="es-CL" dirty="0" smtClean="0"/>
+              <a:t>Primera </a:t>
+            </a:r>
+            <a:r>
+              <a:rPr lang="es-CL" dirty="0" smtClean="0"/>
+              <a:t>aproximación.</a:t>
             </a:r>
             <a:endParaRPr lang="en-US" dirty="0"/>
           </a:p>
@@ -3730,7 +4195,7 @@
 </p:sld>
 </file>
 
-<file path=ppt/slides/slide3.xml><?xml version="1.0" encoding="utf-8"?>
+<file path=ppt/slides/slide4.xml><?xml version="1.0" encoding="utf-8"?>
 <p:sld xmlns:a="http://schemas.openxmlformats.org/drawingml/2006/main" xmlns:r="http://schemas.openxmlformats.org/officeDocument/2006/relationships" xmlns:p="http://schemas.openxmlformats.org/presentationml/2006/main">
   <p:cSld>
     <p:spTree>
@@ -3764,7 +4229,11 @@
           <a:p>
             <a:r>
               <a:rPr lang="es-CL" dirty="0" smtClean="0"/>
-              <a:t>Resultados post asignación de pesos</a:t>
+              <a:t>Resultados post asignación de </a:t>
+            </a:r>
+            <a:r>
+              <a:rPr lang="es-CL" dirty="0" smtClean="0"/>
+              <a:t>pesos.</a:t>
             </a:r>
             <a:endParaRPr lang="en-US" dirty="0"/>
           </a:p>
@@ -4027,7 +4496,7 @@
 </p:sld>
 </file>
 
-<file path=ppt/slides/slide4.xml><?xml version="1.0" encoding="utf-8"?>
+<file path=ppt/slides/slide5.xml><?xml version="1.0" encoding="utf-8"?>
 <p:sld xmlns:a="http://schemas.openxmlformats.org/drawingml/2006/main" xmlns:r="http://schemas.openxmlformats.org/officeDocument/2006/relationships" xmlns:p="http://schemas.openxmlformats.org/presentationml/2006/main">
   <p:cSld>
     <p:spTree>
@@ -4386,7 +4855,7 @@
 </p:sld>
 </file>
 
-<file path=ppt/slides/slide5.xml><?xml version="1.0" encoding="utf-8"?>
+<file path=ppt/slides/slide6.xml><?xml version="1.0" encoding="utf-8"?>
 <p:sld xmlns:a="http://schemas.openxmlformats.org/drawingml/2006/main" xmlns:r="http://schemas.openxmlformats.org/officeDocument/2006/relationships" xmlns:p="http://schemas.openxmlformats.org/presentationml/2006/main">
   <p:cSld>
     <p:spTree>
@@ -4420,7 +4889,7 @@
           <a:p>
             <a:r>
               <a:rPr lang="es-CL" dirty="0" smtClean="0"/>
-              <a:t>Proyecciones</a:t>
+              <a:t>Proyecciones.</a:t>
             </a:r>
             <a:endParaRPr lang="en-US" dirty="0"/>
           </a:p>
